--- a/slide.pptx
+++ b/slide.pptx
@@ -17849,16 +17849,15 @@
           </p:cNvPicPr>
           <p:nvPr/>
         </p:nvPicPr>
-        <p:blipFill>
+        <p:blipFill rotWithShape="1">
           <a:blip r:embed="rId4"/>
-          <a:stretch>
-            <a:fillRect/>
-          </a:stretch>
+          <a:srcRect l="-604" r="1816"/>
+          <a:stretch/>
         </p:blipFill>
         <p:spPr>
           <a:xfrm>
-            <a:off x="-112128" y="-25137"/>
-            <a:ext cx="9256128" cy="5206572"/>
+            <a:off x="-26" y="-83693"/>
+            <a:ext cx="9144000" cy="5206572"/>
           </a:xfrm>
           <a:prstGeom prst="rect">
             <a:avLst/>
